--- a/ALL TASK PPT.pptx
+++ b/ALL TASK PPT.pptx
@@ -5,7 +5,7 @@
     <p:sldMasterId id="2147483648" r:id="rId1"/>
   </p:sldMasterIdLst>
   <p:notesMasterIdLst>
-    <p:notesMasterId r:id="rId26"/>
+    <p:notesMasterId r:id="rId27"/>
   </p:notesMasterIdLst>
   <p:sldIdLst>
     <p:sldId id="256" r:id="rId2"/>
@@ -31,7 +31,8 @@
     <p:sldId id="267" r:id="rId22"/>
     <p:sldId id="268" r:id="rId23"/>
     <p:sldId id="278" r:id="rId24"/>
-    <p:sldId id="279" r:id="rId25"/>
+    <p:sldId id="280" r:id="rId25"/>
+    <p:sldId id="279" r:id="rId26"/>
   </p:sldIdLst>
   <p:sldSz cx="9144000" cy="6858000" type="screen4x3"/>
   <p:notesSz cx="6858000" cy="9144000"/>
@@ -4233,8 +4234,24 @@
             </a:r>
             <a:r>
               <a:rPr lang="en-US" dirty="0" smtClean="0"/>
-              <a:t> /defer attribute for individual JS files</a:t>
-            </a:r>
+              <a:t> /defer attribute for individual JS </a:t>
+            </a:r>
+            <a:r>
+              <a:rPr lang="en-US" dirty="0" smtClean="0"/>
+              <a:t>files</a:t>
+            </a:r>
+          </a:p>
+          <a:p>
+            <a:pPr marL="285750" indent="-285750"/>
+            <a:r>
+              <a:rPr lang="en-US" dirty="0" err="1" smtClean="0"/>
+              <a:t>Github</a:t>
+            </a:r>
+            <a:r>
+              <a:rPr lang="en-US" dirty="0"/>
+              <a:t> link:- https://github.com/kartikdongare/AST_ALL_PPT/blob/main/WEB%20VITALS.pptx</a:t>
+            </a:r>
+            <a:endParaRPr lang="en-US" dirty="0" smtClean="0"/>
           </a:p>
           <a:p>
             <a:endParaRPr lang="en-US" dirty="0"/>
@@ -4333,21 +4350,13 @@
           <a:p>
             <a:r>
               <a:rPr lang="en-US" dirty="0" smtClean="0"/>
-              <a:t>For desktop mode performance was good. But mobile mode </a:t>
-            </a:r>
-            <a:r>
-              <a:rPr lang="en-US" dirty="0" smtClean="0"/>
-              <a:t>performance was not good.</a:t>
-            </a:r>
-          </a:p>
-          <a:p>
-            <a:r>
-              <a:rPr lang="en-US" dirty="0" smtClean="0"/>
-              <a:t>for mobile mode to improve </a:t>
-            </a:r>
-            <a:r>
-              <a:rPr lang="en-US" dirty="0" smtClean="0"/>
-              <a:t>performance to find out the solutions.</a:t>
+              <a:t>For desktop mode performance was good. But mobile mode performance was not good.</a:t>
+            </a:r>
+          </a:p>
+          <a:p>
+            <a:r>
+              <a:rPr lang="en-US" dirty="0" smtClean="0"/>
+              <a:t>for mobile mode to improve performance to find out the solutions.</a:t>
             </a:r>
             <a:endParaRPr lang="en-US" dirty="0"/>
           </a:p>
@@ -4744,7 +4753,7 @@
         <p:spPr/>
         <p:txBody>
           <a:bodyPr>
-            <a:normAutofit/>
+            <a:normAutofit fontScale="92500" lnSpcReduction="10000"/>
           </a:bodyPr>
           <a:lstStyle/>
           <a:p>
@@ -4830,7 +4839,21 @@
           <a:p>
             <a:r>
               <a:rPr lang="en-US" sz="2400" dirty="0" smtClean="0"/>
-              <a:t>Understood the basic concept of next.js and hands on it .</a:t>
+              <a:t>Understood the basic concept of next.js and hands on it </a:t>
+            </a:r>
+            <a:r>
+              <a:rPr lang="en-US" sz="2400" dirty="0" smtClean="0"/>
+              <a:t>.</a:t>
+            </a:r>
+          </a:p>
+          <a:p>
+            <a:r>
+              <a:rPr lang="en-US" sz="2400" dirty="0" err="1" smtClean="0"/>
+              <a:t>Github</a:t>
+            </a:r>
+            <a:r>
+              <a:rPr lang="en-US" sz="2400" dirty="0"/>
+              <a:t> link:- https://github.com/kartikdongare/BASIC_TASKS_NEXTJS</a:t>
             </a:r>
             <a:endParaRPr lang="en-US" sz="2400" dirty="0"/>
           </a:p>
@@ -4901,7 +4924,9 @@
         </p:nvSpPr>
         <p:spPr/>
         <p:txBody>
-          <a:bodyPr/>
+          <a:bodyPr>
+            <a:normAutofit lnSpcReduction="10000"/>
+          </a:bodyPr>
           <a:lstStyle/>
           <a:p>
             <a:r>
@@ -4926,8 +4951,23 @@
           <a:p>
             <a:r>
               <a:rPr lang="en-US" dirty="0" smtClean="0"/>
-              <a:t>Country page should be client and city page should be server.</a:t>
-            </a:r>
+              <a:t>Country page should be client and city page should be server</a:t>
+            </a:r>
+            <a:r>
+              <a:rPr lang="en-US" dirty="0" smtClean="0"/>
+              <a:t>.</a:t>
+            </a:r>
+          </a:p>
+          <a:p>
+            <a:r>
+              <a:rPr lang="en-US" dirty="0" err="1" smtClean="0"/>
+              <a:t>Github</a:t>
+            </a:r>
+            <a:r>
+              <a:rPr lang="en-US" dirty="0"/>
+              <a:t> link:- https://github.com/kartikdongare/DROPDOWN_COUNTRY</a:t>
+            </a:r>
+            <a:endParaRPr lang="en-US" dirty="0" smtClean="0"/>
           </a:p>
           <a:p>
             <a:pPr marL="0" indent="0">
@@ -5115,7 +5155,7 @@
         <p:spPr/>
         <p:txBody>
           <a:bodyPr>
-            <a:normAutofit lnSpcReduction="10000"/>
+            <a:normAutofit fontScale="92500" lnSpcReduction="20000"/>
           </a:bodyPr>
           <a:lstStyle/>
           <a:p>
@@ -5156,7 +5196,21 @@
             </a:r>
             <a:r>
               <a:rPr lang="en-US" dirty="0" smtClean="0"/>
-              <a:t> about middleware</a:t>
+              <a:t> about </a:t>
+            </a:r>
+            <a:r>
+              <a:rPr lang="en-US" dirty="0" smtClean="0"/>
+              <a:t>middleware</a:t>
+            </a:r>
+          </a:p>
+          <a:p>
+            <a:r>
+              <a:rPr lang="en-US" dirty="0" err="1" smtClean="0"/>
+              <a:t>Github</a:t>
+            </a:r>
+            <a:r>
+              <a:rPr lang="en-US" dirty="0"/>
+              <a:t> link:-https://github.com/kartikdongare/AST_ALL_PPT/blob/main/NEXT%20MIDDLEWARE.pptx</a:t>
             </a:r>
             <a:endParaRPr lang="en-US" dirty="0"/>
           </a:p>
@@ -5228,7 +5282,7 @@
         <p:spPr/>
         <p:txBody>
           <a:bodyPr>
-            <a:normAutofit lnSpcReduction="10000"/>
+            <a:normAutofit fontScale="85000" lnSpcReduction="10000"/>
           </a:bodyPr>
           <a:lstStyle/>
           <a:p>
@@ -5266,7 +5320,21 @@
           <a:p>
             <a:r>
               <a:rPr lang="en-US" dirty="0" smtClean="0"/>
-              <a:t>We protect route in middleware based on token.</a:t>
+              <a:t>We protect route in middleware based on token</a:t>
+            </a:r>
+            <a:r>
+              <a:rPr lang="en-US" dirty="0" smtClean="0"/>
+              <a:t>.</a:t>
+            </a:r>
+          </a:p>
+          <a:p>
+            <a:r>
+              <a:rPr lang="en-US" dirty="0" err="1" smtClean="0"/>
+              <a:t>Github</a:t>
+            </a:r>
+            <a:r>
+              <a:rPr lang="en-US" dirty="0"/>
+              <a:t> link:- https://github.com/kartikdongare/NEXT_MIDDLEWARE</a:t>
             </a:r>
             <a:endParaRPr lang="en-US" dirty="0"/>
           </a:p>
@@ -5354,11 +5422,7 @@
             </a:r>
             <a:r>
               <a:rPr lang="en-US" dirty="0" smtClean="0"/>
-              <a:t>open-source authentication solution </a:t>
-            </a:r>
-            <a:r>
-              <a:rPr lang="en-US" dirty="0" smtClean="0"/>
-              <a:t>for </a:t>
+              <a:t>open-source authentication solution for </a:t>
             </a:r>
             <a:r>
               <a:rPr lang="en-US" b="1" dirty="0" smtClean="0">
@@ -5545,6 +5609,81 @@
       </p:grpSpPr>
       <p:sp>
         <p:nvSpPr>
+          <p:cNvPr id="2" name="Title 1"/>
+          <p:cNvSpPr>
+            <a:spLocks noGrp="1"/>
+          </p:cNvSpPr>
+          <p:nvPr>
+            <p:ph type="title"/>
+          </p:nvPr>
+        </p:nvSpPr>
+        <p:spPr/>
+        <p:txBody>
+          <a:bodyPr/>
+          <a:lstStyle/>
+          <a:p>
+            <a:r>
+              <a:rPr lang="en-US" dirty="0" smtClean="0"/>
+              <a:t>ALL PPT LINK</a:t>
+            </a:r>
+            <a:endParaRPr lang="en-US" dirty="0"/>
+          </a:p>
+        </p:txBody>
+      </p:sp>
+      <p:sp>
+        <p:nvSpPr>
+          <p:cNvPr id="3" name="Content Placeholder 2"/>
+          <p:cNvSpPr>
+            <a:spLocks noGrp="1"/>
+          </p:cNvSpPr>
+          <p:nvPr>
+            <p:ph idx="1"/>
+          </p:nvPr>
+        </p:nvSpPr>
+        <p:spPr/>
+        <p:txBody>
+          <a:bodyPr/>
+          <a:lstStyle/>
+          <a:p>
+            <a:r>
+              <a:rPr lang="en-US" dirty="0"/>
+              <a:t>https://github.com/kartikdongare/AST_ALL_PPT</a:t>
+            </a:r>
+          </a:p>
+        </p:txBody>
+      </p:sp>
+    </p:spTree>
+    <p:extLst>
+      <p:ext uri="{BB962C8B-B14F-4D97-AF65-F5344CB8AC3E}">
+        <p14:creationId xmlns:p14="http://schemas.microsoft.com/office/powerpoint/2010/main" val="1197140287"/>
+      </p:ext>
+    </p:extLst>
+  </p:cSld>
+  <p:clrMapOvr>
+    <a:masterClrMapping/>
+  </p:clrMapOvr>
+</p:sld>
+</file>
+
+<file path=ppt/slides/slide25.xml><?xml version="1.0" encoding="utf-8"?>
+<p:sld xmlns:a="http://schemas.openxmlformats.org/drawingml/2006/main" xmlns:r="http://schemas.openxmlformats.org/officeDocument/2006/relationships" xmlns:p="http://schemas.openxmlformats.org/presentationml/2006/main">
+  <p:cSld>
+    <p:spTree>
+      <p:nvGrpSpPr>
+        <p:cNvPr id="1" name=""/>
+        <p:cNvGrpSpPr/>
+        <p:nvPr/>
+      </p:nvGrpSpPr>
+      <p:grpSpPr>
+        <a:xfrm>
+          <a:off x="0" y="0"/>
+          <a:ext cx="0" cy="0"/>
+          <a:chOff x="0" y="0"/>
+          <a:chExt cx="0" cy="0"/>
+        </a:xfrm>
+      </p:grpSpPr>
+      <p:sp>
+        <p:nvSpPr>
           <p:cNvPr id="3" name="Content Placeholder 2"/>
           <p:cNvSpPr>
             <a:spLocks noGrp="1"/>
@@ -5636,26 +5775,50 @@
         </p:nvSpPr>
         <p:spPr/>
         <p:txBody>
-          <a:bodyPr/>
-          <a:lstStyle/>
-          <a:p>
-            <a:r>
-              <a:rPr lang="en-US" dirty="0" smtClean="0"/>
+          <a:bodyPr>
+            <a:normAutofit/>
+          </a:bodyPr>
+          <a:lstStyle/>
+          <a:p>
+            <a:r>
+              <a:rPr lang="en-US" sz="2800" dirty="0" smtClean="0"/>
               <a:t>In this date task was to make grid like Material UI.</a:t>
             </a:r>
           </a:p>
           <a:p>
             <a:r>
-              <a:rPr lang="en-US" dirty="0" smtClean="0"/>
+              <a:rPr lang="en-US" sz="2800" dirty="0" smtClean="0"/>
               <a:t>I have done in this task such as set breakpoint ,apply properties like column gap, row gap, gap, also flex properties.</a:t>
             </a:r>
           </a:p>
           <a:p>
             <a:r>
-              <a:rPr lang="en-US" dirty="0" smtClean="0"/>
-              <a:t>In this task used context hook for manage the state.</a:t>
-            </a:r>
-            <a:endParaRPr lang="en-US" dirty="0"/>
+              <a:rPr lang="en-US" sz="2800" dirty="0" smtClean="0"/>
+              <a:t>In this task used context hook for </a:t>
+            </a:r>
+            <a:r>
+              <a:rPr lang="en-US" sz="2800" dirty="0" smtClean="0"/>
+              <a:t>manage </a:t>
+            </a:r>
+            <a:r>
+              <a:rPr lang="en-US" sz="2800" dirty="0" smtClean="0"/>
+              <a:t>the state</a:t>
+            </a:r>
+            <a:r>
+              <a:rPr lang="en-US" sz="2800" dirty="0" smtClean="0"/>
+              <a:t>.</a:t>
+            </a:r>
+          </a:p>
+          <a:p>
+            <a:r>
+              <a:rPr lang="en-US" sz="2400" dirty="0" err="1" smtClean="0"/>
+              <a:t>Github</a:t>
+            </a:r>
+            <a:r>
+              <a:rPr lang="en-US" sz="2400" dirty="0"/>
+              <a:t> link:- https://github.com/kartikdongare/AST_TASK1_GRIDSYSTEM</a:t>
+            </a:r>
+            <a:endParaRPr lang="en-US" sz="2400" dirty="0"/>
           </a:p>
         </p:txBody>
       </p:sp>
@@ -6232,7 +6395,9 @@
         </p:nvSpPr>
         <p:spPr/>
         <p:txBody>
-          <a:bodyPr/>
+          <a:bodyPr>
+            <a:normAutofit lnSpcReduction="10000"/>
+          </a:bodyPr>
           <a:lstStyle/>
           <a:p>
             <a:r>
@@ -6265,8 +6430,23 @@
             </a:r>
             <a:r>
               <a:rPr lang="en-US" dirty="0" smtClean="0"/>
-              <a:t> server to do crud operation using RTK query.</a:t>
-            </a:r>
+              <a:t> server to do crud operation using RTK query</a:t>
+            </a:r>
+            <a:r>
+              <a:rPr lang="en-US" dirty="0" smtClean="0"/>
+              <a:t>.</a:t>
+            </a:r>
+          </a:p>
+          <a:p>
+            <a:r>
+              <a:rPr lang="en-US" dirty="0" err="1" smtClean="0"/>
+              <a:t>Github</a:t>
+            </a:r>
+            <a:r>
+              <a:rPr lang="en-US" dirty="0"/>
+              <a:t> link:- https://github.com/kartikdongare/REDUX_RTK_QUERY</a:t>
+            </a:r>
+            <a:endParaRPr lang="en-US" dirty="0" smtClean="0"/>
           </a:p>
           <a:p>
             <a:endParaRPr lang="en-US" dirty="0"/>
